--- a/doc/final_project_poster.pptx
+++ b/doc/final_project_poster.pptx
@@ -107,6 +107,11 @@
       </a:defRPr>
     </a:lvl9pPr>
   </p:defaultTextStyle>
+  <p:extLst>
+    <p:ext uri="{EFAFB233-063F-42B5-8137-9DF3F51BA10A}">
+      <p15:sldGuideLst xmlns:p15="http://schemas.microsoft.com/office/powerpoint/2012/main"/>
+    </p:ext>
+  </p:extLst>
 </p:presentation>
 </file>
 
@@ -2960,22 +2965,7 @@
                   <a:latin typeface="Arial"/>
                   <a:ea typeface="MS PGothic"/>
                 </a:rPr>
-                <a:t>			Min-An </a:t>
-              </a:r>
-              <a:r>
-                <a:rPr lang="en-US" sz="4500" spc="-1" dirty="0">
-                  <a:solidFill>
-                    <a:srgbClr val="000000"/>
-                  </a:solidFill>
-                  <a:uFill>
-                    <a:solidFill>
-                      <a:srgbClr val="FFFFFF"/>
-                    </a:solidFill>
-                  </a:uFill>
-                  <a:latin typeface="Arial"/>
-                  <a:ea typeface="MS PGothic"/>
-                </a:rPr>
-                <a:t>Chao</a:t>
+                <a:t>			Min-An Chao</a:t>
               </a:r>
               <a:endParaRPr lang="en-US" spc="-1" dirty="0">
                 <a:solidFill>
@@ -3196,21 +3186,7 @@
                   </a:uFill>
                   <a:ea typeface="MS PGothic"/>
                 </a:rPr>
-                <a:t>40,480 training samples and 61,192 test samples </a:t>
-              </a:r>
-              <a:r>
-                <a:rPr lang="en-US" sz="3200" spc="-1" dirty="0">
-                  <a:solidFill>
-                    <a:srgbClr val="000000"/>
-                  </a:solidFill>
-                  <a:uFill>
-                    <a:solidFill>
-                      <a:srgbClr val="FFFFFF"/>
-                    </a:solidFill>
-                  </a:uFill>
-                  <a:ea typeface="MS PGothic"/>
-                </a:rPr>
-                <a:t>are provided. Types include </a:t>
+                <a:t>40,480 training samples and 61,192 test samples are provided. Types include </a:t>
               </a:r>
               <a:r>
                 <a:rPr lang="en-US" sz="3200" spc="-1" dirty="0">
@@ -3225,67 +3201,7 @@
                   <a:latin typeface="Arial"/>
                   <a:ea typeface="MS PGothic"/>
                 </a:rPr>
-                <a:t>JPG (3 channels, 8-bit RGB) </a:t>
-              </a:r>
-              <a:r>
-                <a:rPr lang="en-US" sz="3200" spc="-1" dirty="0">
-                  <a:solidFill>
-                    <a:srgbClr val="000000"/>
-                  </a:solidFill>
-                  <a:uFill>
-                    <a:solidFill>
-                      <a:srgbClr val="FFFFFF"/>
-                    </a:solidFill>
-                  </a:uFill>
-                  <a:latin typeface="Arial"/>
-                  <a:ea typeface="MS PGothic"/>
-                </a:rPr>
-                <a:t>and </a:t>
-              </a:r>
-              <a:r>
-                <a:rPr lang="en-US" sz="3200" spc="-1" dirty="0">
-                  <a:solidFill>
-                    <a:srgbClr val="000000"/>
-                  </a:solidFill>
-                  <a:uFill>
-                    <a:solidFill>
-                      <a:srgbClr val="FFFFFF"/>
-                    </a:solidFill>
-                  </a:uFill>
-                  <a:latin typeface="Arial"/>
-                  <a:ea typeface="MS PGothic"/>
-                </a:rPr>
-                <a:t>TIFF (</a:t>
-              </a:r>
-              <a:r>
-                <a:rPr lang="en-US" sz="3200" spc="-1" dirty="0">
-                  <a:solidFill>
-                    <a:srgbClr val="000000"/>
-                  </a:solidFill>
-                  <a:uFill>
-                    <a:solidFill>
-                      <a:srgbClr val="FFFFFF"/>
-                    </a:solidFill>
-                  </a:uFill>
-                  <a:latin typeface="Arial"/>
-                  <a:ea typeface="MS PGothic"/>
-                </a:rPr>
-                <a:t>4 channels</a:t>
-              </a:r>
-              <a:r>
-                <a:rPr lang="en-US" sz="3200" spc="-1" dirty="0">
-                  <a:solidFill>
-                    <a:srgbClr val="000000"/>
-                  </a:solidFill>
-                  <a:uFill>
-                    <a:solidFill>
-                      <a:srgbClr val="FFFFFF"/>
-                    </a:solidFill>
-                  </a:uFill>
-                  <a:latin typeface="Arial"/>
-                  <a:ea typeface="MS PGothic"/>
-                </a:rPr>
-                <a:t>, 16-bit RGB plus Near-Infrared, or NIR).</a:t>
+                <a:t>JPG (3 channels, 8-bit RGB) and TIFF (4 channels, 16-bit RGB plus Near-Infrared, or NIR).</a:t>
               </a:r>
               <a:endParaRPr lang="en-US" spc="-1" dirty="0">
                 <a:solidFill>
@@ -3319,33 +3235,8 @@
                   </a:uFill>
                   <a:ea typeface="MS PGothic"/>
                 </a:rPr>
-                <a:t>Total 17 labels to be </a:t>
+                <a:t>Total 17 labels to be classified, 4 are weather conditions, others are geographic features and signs of human activities, including rare labels such as illegal  mining and burndown, etc.</a:t>
               </a:r>
-              <a:r>
-                <a:rPr lang="en-US" sz="3200" spc="-1" dirty="0">
-                  <a:solidFill>
-                    <a:srgbClr val="000000"/>
-                  </a:solidFill>
-                  <a:uFill>
-                    <a:solidFill>
-                      <a:srgbClr val="FFFFFF"/>
-                    </a:solidFill>
-                  </a:uFill>
-                  <a:ea typeface="MS PGothic"/>
-                </a:rPr>
-                <a:t>classified, 4 are weather conditions, others are geographic features and signs of human activities, including rare labels such as illegal  mining and burndown, etc.</a:t>
-              </a:r>
-              <a:endParaRPr lang="en-US" sz="3200" spc="-1" dirty="0">
-                <a:solidFill>
-                  <a:srgbClr val="000000"/>
-                </a:solidFill>
-                <a:uFill>
-                  <a:solidFill>
-                    <a:srgbClr val="FFFFFF"/>
-                  </a:solidFill>
-                </a:uFill>
-                <a:ea typeface="MS PGothic"/>
-              </a:endParaRPr>
             </a:p>
             <a:p>
               <a:pPr marL="565184" lvl="1" indent="-563745" algn="just">
@@ -3369,17 +3260,6 @@
                 </a:rPr>
                 <a:t>Each image is labeled with exactly 1 weather condition, and 0, 1, or more labels presenting land features and human activities in it.</a:t>
               </a:r>
-              <a:endParaRPr lang="en-US" sz="3200" spc="-1" dirty="0">
-                <a:solidFill>
-                  <a:srgbClr val="000000"/>
-                </a:solidFill>
-                <a:uFill>
-                  <a:solidFill>
-                    <a:srgbClr val="FFFFFF"/>
-                  </a:solidFill>
-                </a:uFill>
-                <a:ea typeface="MS PGothic"/>
-              </a:endParaRPr>
             </a:p>
           </p:txBody>
         </p:sp>
@@ -3434,18 +3314,6 @@
                 </a:rPr>
                 <a:t>Data Augmentation</a:t>
               </a:r>
-              <a:endParaRPr lang="en-US" sz="4000" b="1" spc="-1" dirty="0">
-                <a:solidFill>
-                  <a:srgbClr val="006AB4"/>
-                </a:solidFill>
-                <a:uFill>
-                  <a:solidFill>
-                    <a:srgbClr val="FFFFFF"/>
-                  </a:solidFill>
-                </a:uFill>
-                <a:latin typeface="Arial"/>
-                <a:ea typeface="MS PGothic"/>
-              </a:endParaRPr>
             </a:p>
             <a:p>
               <a:pPr marL="565184" lvl="1" indent="-563745" algn="just">
@@ -3891,7 +3759,7 @@
             <p:nvPr>
               <p:extLst>
                 <p:ext uri="{D42A27DB-BD31-4B8C-83A1-F6EECF244321}">
-                  <p14:modId xmlns:p14="http://schemas.microsoft.com/office/powerpoint/2010/main" val="314085771"/>
+                  <p14:modId xmlns:p14="http://schemas.microsoft.com/office/powerpoint/2010/main" val="722711951"/>
                 </p:ext>
               </p:extLst>
             </p:nvPr>
@@ -4658,6 +4526,14 @@
                       <a:lstStyle/>
                       <a:p>
                         <a:pPr algn="ctr"/>
+                        <a:r>
+                          <a:rPr lang="en-US" sz="3200" dirty="0" smtClean="0">
+                            <a:latin typeface="Arial" charset="0"/>
+                            <a:ea typeface="Arial" charset="0"/>
+                            <a:cs typeface="Arial" charset="0"/>
+                          </a:rPr>
+                          <a:t>128</a:t>
+                        </a:r>
                         <a:endParaRPr lang="en-US" sz="3200" dirty="0">
                           <a:latin typeface="Arial" charset="0"/>
                           <a:ea typeface="Arial" charset="0"/>
@@ -4681,7 +4557,7 @@
                               </a:solidFill>
                             </a:uFill>
                           </a:rPr>
-                          <a:t>0.9276</a:t>
+                          <a:t>0.9284</a:t>
                         </a:r>
                         <a:endParaRPr lang="en-US" sz="3200" b="0" strike="noStrike" spc="-1" dirty="0">
                           <a:solidFill>
@@ -4793,6 +4669,14 @@
                       <a:lstStyle/>
                       <a:p>
                         <a:pPr algn="ctr"/>
+                        <a:r>
+                          <a:rPr lang="en-US" sz="3200" dirty="0" smtClean="0">
+                            <a:latin typeface="Arial" charset="0"/>
+                            <a:ea typeface="Arial" charset="0"/>
+                            <a:cs typeface="Arial" charset="0"/>
+                          </a:rPr>
+                          <a:t>128</a:t>
+                        </a:r>
                         <a:endParaRPr lang="en-US" sz="3200" dirty="0">
                           <a:latin typeface="Arial" charset="0"/>
                           <a:ea typeface="Arial" charset="0"/>
@@ -4808,6 +4692,14 @@
                       <a:lstStyle/>
                       <a:p>
                         <a:pPr algn="ctr"/>
+                        <a:r>
+                          <a:rPr lang="en-US" sz="3200" dirty="0" smtClean="0">
+                            <a:latin typeface="Arial" charset="0"/>
+                            <a:ea typeface="Arial" charset="0"/>
+                            <a:cs typeface="Arial" charset="0"/>
+                          </a:rPr>
+                          <a:t>0.9280</a:t>
+                        </a:r>
                         <a:endParaRPr lang="en-US" sz="3200" dirty="0">
                           <a:latin typeface="Arial" charset="0"/>
                           <a:ea typeface="Arial" charset="0"/>
@@ -4823,7 +4715,15 @@
                       <a:lstStyle/>
                       <a:p>
                         <a:pPr algn="ctr"/>
-                        <a:endParaRPr lang="en-US" sz="3200">
+                        <a:r>
+                          <a:rPr lang="en-US" sz="3200" dirty="0" smtClean="0">
+                            <a:latin typeface="Arial" charset="0"/>
+                            <a:ea typeface="Arial" charset="0"/>
+                            <a:cs typeface="Arial" charset="0"/>
+                          </a:rPr>
+                          <a:t>3.5</a:t>
+                        </a:r>
+                        <a:endParaRPr lang="en-US" sz="3200" dirty="0">
                           <a:latin typeface="Arial" charset="0"/>
                           <a:ea typeface="Arial" charset="0"/>
                           <a:cs typeface="Arial" charset="0"/>
@@ -5952,18 +5852,6 @@
                 </a:rPr>
                 <a:t>Neuron Network Architectures</a:t>
               </a:r>
-              <a:endParaRPr lang="en-US" sz="4000" b="1" spc="-1" dirty="0">
-                <a:solidFill>
-                  <a:srgbClr val="006AB4"/>
-                </a:solidFill>
-                <a:uFill>
-                  <a:solidFill>
-                    <a:srgbClr val="FFFFFF"/>
-                  </a:solidFill>
-                </a:uFill>
-                <a:latin typeface="Arial"/>
-                <a:ea typeface="MS PGothic"/>
-              </a:endParaRPr>
             </a:p>
             <a:p>
               <a:pPr marL="565184" lvl="1" indent="-563745" algn="just">
@@ -6071,17 +5959,6 @@
                 </a:rPr>
                 <a:t> can be directly applied to such task. We use SGD with 0.9 momentum and JPG images as the first benchmark. Learning rate shown below refer to FC layers, while feature layers are updated with 0.1 of it.</a:t>
               </a:r>
-              <a:endParaRPr lang="en-US" sz="3200" spc="-1" dirty="0">
-                <a:solidFill>
-                  <a:srgbClr val="000000"/>
-                </a:solidFill>
-                <a:uFill>
-                  <a:solidFill>
-                    <a:srgbClr val="FFFFFF"/>
-                  </a:solidFill>
-                </a:uFill>
-                <a:ea typeface="MS PGothic"/>
-              </a:endParaRPr>
             </a:p>
             <a:p>
               <a:pPr marL="565184" lvl="1" indent="-563745" algn="just">
@@ -7948,6 +7825,36 @@
           </p:txBody>
         </p:sp>
       </p:grpSp>
+      <p:sp>
+        <p:nvSpPr>
+          <p:cNvPr id="2" name="TextBox 1"/>
+          <p:cNvSpPr txBox="1"/>
+          <p:nvPr/>
+        </p:nvSpPr>
+        <p:spPr>
+          <a:xfrm>
+            <a:off x="37556936" y="25036819"/>
+            <a:ext cx="2244436" cy="369332"/>
+          </a:xfrm>
+          <a:prstGeom prst="rect">
+            <a:avLst/>
+          </a:prstGeom>
+          <a:noFill/>
+        </p:spPr>
+        <p:txBody>
+          <a:bodyPr wrap="square" rtlCol="0">
+            <a:spAutoFit/>
+          </a:bodyPr>
+          <a:lstStyle/>
+          <a:p>
+            <a:r>
+              <a:rPr lang="en-US" smtClean="0"/>
+              <a:t>F2 score = 0.9307</a:t>
+            </a:r>
+            <a:endParaRPr lang="en-US"/>
+          </a:p>
+        </p:txBody>
+      </p:sp>
     </p:spTree>
   </p:cSld>
   <p:clrMapOvr>
